--- a/Courses/Computer-Modeling-and-IT/Computer-Modeling-and-IT-6-Class/28-Linear-аnd-Branching-Algorithm-Implementation/28-Linear-аnd-Branching-Algorithm-Implementation.pptx
+++ b/Courses/Computer-Modeling-and-IT/Computer-Modeling-and-IT-6-Class/28-Linear-аnd-Branching-Algorithm-Implementation/28-Linear-аnd-Branching-Algorithm-Implementation.pptx
@@ -341,7 +341,7 @@
           <a:p>
             <a:fld id="{4E087215-0C8F-4762-A664-737A353EC9A4}" type="datetimeFigureOut">
               <a:rPr lang="bg-BG" smtClean="0"/>
-              <a:t>27.11.2024 г.</a:t>
+              <a:t>3.9.2025 г.</a:t>
             </a:fld>
             <a:endParaRPr lang="bg-BG"/>
           </a:p>
@@ -537,7 +537,7 @@
           <a:p>
             <a:fld id="{72D84649-876A-46C9-8472-14CB09C070D8}" type="datetimeFigureOut">
               <a:rPr lang="en-US" smtClean="0"/>
-              <a:t>11/27/2024</a:t>
+              <a:t>3-Sep-25</a:t>
             </a:fld>
             <a:endParaRPr lang="en-US"/>
           </a:p>
@@ -7021,11 +7021,7 @@
           <a:p>
             <a:r>
               <a:rPr lang="ru-RU" dirty="0"/>
-              <a:t>Логически изрази и проверки. Условна конструкция </a:t>
-            </a:r>
-            <a:r>
-              <a:rPr lang="ru-RU" dirty="0" smtClean="0"/>
-              <a:t>If-else</a:t>
+              <a:t>Логически изрази и проверки. Условна конструкция If-else</a:t>
             </a:r>
             <a:endParaRPr lang="en-US" dirty="0"/>
           </a:p>
@@ -7060,7 +7056,7 @@
           <a:lstStyle/>
           <a:p>
             <a:r>
-              <a:rPr lang="bg-BG" dirty="0" smtClean="0"/>
+              <a:rPr lang="bg-BG" dirty="0"/>
               <a:t>Реализиране на линеен и разклонен алгоритъм</a:t>
             </a:r>
             <a:endParaRPr lang="en-US" dirty="0"/>
@@ -7115,13 +7111,6 @@
       <p:transition spd="slow" advClick="0" advTm="5000"/>
     </mc:Fallback>
   </mc:AlternateContent>
-  <p:timing>
-    <p:tnLst>
-      <p:par>
-        <p:cTn id="1" dur="indefinite" restart="never" nodeType="tmRoot"/>
-      </p:par>
-    </p:tnLst>
-  </p:timing>
 </p:sld>
 </file>
 
@@ -7393,13 +7382,8 @@
           <a:p>
             <a:r>
               <a:rPr lang="bg-BG" dirty="0"/>
-              <a:t>Булева </a:t>
-            </a:r>
-            <a:r>
-              <a:rPr lang="bg-BG" dirty="0" smtClean="0"/>
-              <a:t>променлива</a:t>
-            </a:r>
-            <a:endParaRPr lang="bg-BG" dirty="0"/>
+              <a:t>Булева променлива</a:t>
+            </a:r>
           </a:p>
         </p:txBody>
       </p:sp>
@@ -7828,13 +7812,8 @@
           <a:p>
             <a:r>
               <a:rPr lang="bg-BG" dirty="0"/>
-              <a:t>Булева </a:t>
-            </a:r>
-            <a:r>
-              <a:rPr lang="bg-BG" dirty="0" smtClean="0"/>
-              <a:t>променлива – пример</a:t>
-            </a:r>
-            <a:endParaRPr lang="bg-BG" dirty="0"/>
+              <a:t>Булева променлива – пример</a:t>
+            </a:r>
           </a:p>
         </p:txBody>
       </p:sp>
@@ -8479,13 +8458,8 @@
           <a:p>
             <a:r>
               <a:rPr lang="bg-BG" dirty="0"/>
-              <a:t>Прости </a:t>
-            </a:r>
-            <a:r>
-              <a:rPr lang="bg-BG" dirty="0" smtClean="0"/>
-              <a:t>проверки</a:t>
-            </a:r>
-            <a:endParaRPr lang="bg-BG" dirty="0"/>
+              <a:t>Прости проверки</a:t>
+            </a:r>
           </a:p>
         </p:txBody>
       </p:sp>
@@ -8505,7 +8479,7 @@
           <a:lstStyle/>
           <a:p>
             <a:r>
-              <a:rPr lang="bg-BG" dirty="0" smtClean="0"/>
+              <a:rPr lang="bg-BG" dirty="0"/>
               <a:t>Разклонен алгоритъм</a:t>
             </a:r>
             <a:endParaRPr lang="en-US" dirty="0"/>
@@ -8566,13 +8540,6 @@
       <p:transition spd="slow" advClick="0" advTm="5000"/>
     </mc:Fallback>
   </mc:AlternateContent>
-  <p:timing>
-    <p:tnLst>
-      <p:par>
-        <p:cTn id="1" dur="indefinite" restart="never" nodeType="tmRoot"/>
-      </p:par>
-    </p:tnLst>
-  </p:timing>
 </p:sld>
 </file>
 
@@ -8712,17 +8679,12 @@
           <a:p>
             <a:r>
               <a:rPr lang="bg-BG" dirty="0"/>
-              <a:t>Прости </a:t>
-            </a:r>
-            <a:r>
-              <a:rPr lang="bg-BG" dirty="0" smtClean="0"/>
-              <a:t>проверки </a:t>
-            </a:r>
-            <a:r>
-              <a:rPr lang="en-US" dirty="0" smtClean="0"/>
+              <a:t>Прости проверки </a:t>
+            </a:r>
+            <a:r>
+              <a:rPr lang="en-US" dirty="0"/>
               <a:t>– if</a:t>
             </a:r>
-            <a:endParaRPr lang="en-US" dirty="0"/>
           </a:p>
         </p:txBody>
       </p:sp>
@@ -9536,7 +9498,7 @@
               </a:buClr>
             </a:pPr>
             <a:r>
-              <a:rPr lang="bg-BG" sz="3200" b="1" dirty="0" smtClean="0">
+              <a:rPr lang="bg-BG" sz="3200" b="1" dirty="0">
                 <a:solidFill>
                   <a:schemeClr val="bg1"/>
                 </a:solidFill>
@@ -9544,7 +9506,7 @@
               <a:t>Чете</a:t>
             </a:r>
             <a:r>
-              <a:rPr lang="bg-BG" sz="3200" dirty="0" smtClean="0">
+              <a:rPr lang="bg-BG" sz="3200" dirty="0">
                 <a:solidFill>
                   <a:schemeClr val="tx2">
                     <a:lumMod val="75000"/>
@@ -9581,7 +9543,7 @@
               </a:buClr>
             </a:pPr>
             <a:r>
-              <a:rPr lang="bg-BG" sz="3200" b="1" dirty="0" smtClean="0">
+              <a:rPr lang="bg-BG" sz="3200" b="1" dirty="0">
                 <a:solidFill>
                   <a:schemeClr val="bg1"/>
                 </a:solidFill>
@@ -9589,12 +9551,8 @@
               <a:t>Проверява</a:t>
             </a:r>
             <a:r>
-              <a:rPr lang="bg-BG" sz="3200" dirty="0" smtClean="0"/>
-              <a:t> </a:t>
-            </a:r>
-            <a:r>
               <a:rPr lang="bg-BG" sz="3200" dirty="0"/>
-              <a:t>дали е отлична</a:t>
+              <a:t> дали е отлична</a:t>
             </a:r>
             <a:endParaRPr lang="en-US" sz="3200" dirty="0"/>
           </a:p>
@@ -9605,20 +9563,12 @@
               </a:buClr>
             </a:pPr>
             <a:r>
-              <a:rPr lang="bg-BG" sz="3200" b="1" dirty="0" smtClean="0">
+              <a:rPr lang="bg-BG" sz="3200" b="1" dirty="0">
                 <a:solidFill>
                   <a:schemeClr val="bg1"/>
                 </a:solidFill>
               </a:rPr>
-              <a:t>Отпечатва </a:t>
-            </a:r>
-            <a:r>
-              <a:rPr lang="bg-BG" sz="3200" b="1" dirty="0">
-                <a:solidFill>
-                  <a:schemeClr val="bg1"/>
-                </a:solidFill>
-              </a:rPr>
-              <a:t>на конзолата </a:t>
+              <a:t>Отпечатва на конзолата </a:t>
             </a:r>
             <a:r>
               <a:rPr lang="en-US" sz="3200" dirty="0"/>
@@ -9645,16 +9595,12 @@
               <a:t>, ако оценката е </a:t>
             </a:r>
             <a:r>
-              <a:rPr lang="bg-BG" sz="3200" b="1" dirty="0" smtClean="0"/>
+              <a:rPr lang="bg-BG" sz="3200" b="1" dirty="0"/>
               <a:t>по-голяма</a:t>
             </a:r>
             <a:r>
-              <a:rPr lang="bg-BG" sz="3200" dirty="0" smtClean="0"/>
-              <a:t> </a:t>
-            </a:r>
-            <a:r>
               <a:rPr lang="bg-BG" sz="3200" dirty="0"/>
-              <a:t>или </a:t>
+              <a:t> или </a:t>
             </a:r>
             <a:r>
               <a:rPr lang="bg-BG" sz="3200" b="1" dirty="0"/>
@@ -10779,7 +10725,7 @@
             <a:p>
               <a:pPr algn="ctr"/>
               <a:r>
-                <a:rPr lang="bg-BG" sz="2800" b="1" dirty="0" smtClean="0">
+                <a:rPr lang="bg-BG" sz="2800" b="1" dirty="0">
                   <a:solidFill>
                     <a:schemeClr val="bg2"/>
                   </a:solidFill>
@@ -10794,7 +10740,7 @@
                 <a:t>оценка</a:t>
               </a:r>
               <a:r>
-                <a:rPr lang="it-IT" sz="2800" b="1" dirty="0" smtClean="0">
+                <a:rPr lang="it-IT" sz="2800" b="1" dirty="0">
                   <a:solidFill>
                     <a:schemeClr val="bg2"/>
                   </a:solidFill>
@@ -10913,18 +10859,13 @@
               <a:buSzPct val="70000"/>
             </a:pPr>
             <a:r>
-              <a:rPr lang="en-US" sz="2400" b="1" dirty="0" smtClean="0">
+              <a:rPr lang="en-US" sz="2400" b="1" dirty="0">
                 <a:solidFill>
                   <a:schemeClr val="bg1"/>
                 </a:solidFill>
               </a:rPr>
               <a:t>True</a:t>
             </a:r>
-            <a:endParaRPr lang="en-US" sz="2400" b="1" dirty="0">
-              <a:solidFill>
-                <a:schemeClr val="bg1"/>
-              </a:solidFill>
-            </a:endParaRPr>
           </a:p>
         </p:txBody>
       </p:sp>
@@ -10966,18 +10907,13 @@
               <a:buSzPct val="70000"/>
             </a:pPr>
             <a:r>
-              <a:rPr lang="en-US" sz="2400" b="1" dirty="0" smtClean="0">
+              <a:rPr lang="en-US" sz="2400" b="1" dirty="0">
                 <a:solidFill>
                   <a:schemeClr val="bg1"/>
                 </a:solidFill>
               </a:rPr>
               <a:t>False</a:t>
             </a:r>
-            <a:endParaRPr lang="en-US" sz="2400" b="1" dirty="0">
-              <a:solidFill>
-                <a:schemeClr val="bg1"/>
-              </a:solidFill>
-            </a:endParaRPr>
           </a:p>
         </p:txBody>
       </p:sp>
@@ -11110,7 +11046,7 @@
           <a:p>
             <a:pPr algn="ctr"/>
             <a:r>
-              <a:rPr lang="bg-BG" sz="2800" b="1" dirty="0" smtClean="0">
+              <a:rPr lang="bg-BG" sz="2800" b="1" dirty="0">
                 <a:solidFill>
                   <a:srgbClr val="FFFFFF"/>
                 </a:solidFill>
@@ -11394,18 +11330,14 @@
           <a:p>
             <a:r>
               <a:rPr lang="bg-BG" dirty="0"/>
-              <a:t>Отлична </a:t>
-            </a:r>
-            <a:r>
-              <a:rPr lang="bg-BG" dirty="0" smtClean="0"/>
-              <a:t>оценка</a:t>
-            </a:r>
-            <a:r>
-              <a:rPr lang="en-US" dirty="0" smtClean="0"/>
+              <a:t>Отлична оценка</a:t>
+            </a:r>
+            <a:r>
+              <a:rPr lang="en-US" dirty="0"/>
               <a:t> – </a:t>
             </a:r>
             <a:r>
-              <a:rPr lang="bg-BG" dirty="0" smtClean="0"/>
+              <a:rPr lang="bg-BG" dirty="0"/>
               <a:t>блок схема</a:t>
             </a:r>
             <a:endParaRPr lang="en-US" dirty="0"/>
@@ -11854,21 +11786,16 @@
             </a:r>
             <a:r>
               <a:rPr lang="en-US" dirty="0"/>
-              <a:t> – </a:t>
-            </a:r>
-            <a:r>
-              <a:rPr lang="en-US" dirty="0" smtClean="0"/>
-              <a:t>Scratch </a:t>
-            </a:r>
-            <a:r>
-              <a:rPr lang="bg-BG" dirty="0" smtClean="0"/>
+              <a:t> – Scratch </a:t>
+            </a:r>
+            <a:r>
+              <a:rPr lang="bg-BG" dirty="0"/>
               <a:t>срещу </a:t>
             </a:r>
             <a:r>
-              <a:rPr lang="en-US" dirty="0" smtClean="0"/>
+              <a:rPr lang="en-US" dirty="0"/>
               <a:t>Python</a:t>
             </a:r>
-            <a:endParaRPr lang="en-US" dirty="0"/>
           </a:p>
         </p:txBody>
       </p:sp>
@@ -11949,19 +11876,19 @@
               <a:buSzPct val="70000"/>
             </a:pPr>
             <a:r>
-              <a:rPr lang="en-US" sz="2800" b="1" dirty="0" smtClean="0">
+              <a:rPr lang="en-US" sz="2800" b="1" dirty="0">
                 <a:latin typeface="Consolas" panose="020B0609020204030204" pitchFamily="49" charset="0"/>
               </a:rPr>
-              <a:t>Print("</a:t>
-            </a:r>
-            <a:r>
-              <a:rPr lang="bg-BG" sz="2800" b="1" dirty="0" smtClean="0">
+              <a:t>print("</a:t>
+            </a:r>
+            <a:r>
+              <a:rPr lang="bg-BG" sz="2800" b="1" dirty="0">
                 <a:latin typeface="Consolas" panose="020B0609020204030204" pitchFamily="49" charset="0"/>
               </a:rPr>
               <a:t>Каква оценка имаш?"</a:t>
             </a:r>
             <a:r>
-              <a:rPr lang="en-US" sz="2800" b="1" dirty="0" smtClean="0">
+              <a:rPr lang="en-US" sz="2800" b="1" dirty="0">
                 <a:latin typeface="Consolas" panose="020B0609020204030204" pitchFamily="49" charset="0"/>
               </a:rPr>
               <a:t>)</a:t>
@@ -11981,22 +11908,10 @@
               <a:buSzPct val="70000"/>
             </a:pPr>
             <a:r>
-              <a:rPr lang="en-US" sz="2800" b="1" dirty="0" smtClean="0">
-                <a:latin typeface="Consolas" panose="020B0609020204030204" pitchFamily="49" charset="0"/>
-              </a:rPr>
-              <a:t>grade </a:t>
-            </a:r>
-            <a:r>
               <a:rPr lang="en-US" sz="2800" b="1" dirty="0">
                 <a:latin typeface="Consolas" panose="020B0609020204030204" pitchFamily="49" charset="0"/>
               </a:rPr>
-              <a:t>= float(input</a:t>
-            </a:r>
-            <a:r>
-              <a:rPr lang="en-US" sz="2800" b="1" dirty="0" smtClean="0">
-                <a:latin typeface="Consolas" panose="020B0609020204030204" pitchFamily="49" charset="0"/>
-              </a:rPr>
-              <a:t>())</a:t>
+              <a:t>grade = float(input())</a:t>
             </a:r>
           </a:p>
           <a:p>
@@ -12013,28 +11928,10 @@
               <a:buSzPct val="70000"/>
             </a:pPr>
             <a:r>
-              <a:rPr lang="en-US" sz="2800" b="1" dirty="0" smtClean="0">
-                <a:latin typeface="Consolas" panose="020B0609020204030204" pitchFamily="49" charset="0"/>
-              </a:rPr>
-              <a:t>if </a:t>
-            </a:r>
-            <a:r>
               <a:rPr lang="en-US" sz="2800" b="1" dirty="0">
                 <a:latin typeface="Consolas" panose="020B0609020204030204" pitchFamily="49" charset="0"/>
               </a:rPr>
-              <a:t>grade &gt;= 5.50:    </a:t>
-            </a:r>
-            <a:r>
-              <a:rPr lang="en-US" sz="2800" b="1" dirty="0" smtClean="0">
-                <a:latin typeface="Consolas" panose="020B0609020204030204" pitchFamily="49" charset="0"/>
-              </a:rPr>
-              <a:t>	print</a:t>
-            </a:r>
-            <a:r>
-              <a:rPr lang="en-US" sz="2800" b="1" dirty="0">
-                <a:latin typeface="Consolas" panose="020B0609020204030204" pitchFamily="49" charset="0"/>
-              </a:rPr>
-              <a:t>("</a:t>
+              <a:t>if grade &gt;= 5.50:    	print("</a:t>
             </a:r>
             <a:r>
               <a:rPr lang="en-US" sz="2800" b="1" dirty="0" err="1">
@@ -14726,11 +14623,11 @@
           <a:lstStyle/>
           <a:p>
             <a:r>
-              <a:rPr lang="bg-BG" dirty="0" smtClean="0"/>
+              <a:rPr lang="bg-BG" dirty="0"/>
               <a:t>͏</a:t>
             </a:r>
             <a:r>
-              <a:rPr lang="bg-BG" b="1" dirty="0" smtClean="0">
+              <a:rPr lang="bg-BG" b="1" dirty="0">
                 <a:solidFill>
                   <a:schemeClr val="bg1"/>
                 </a:solidFill>
@@ -14738,39 +14635,35 @@
               <a:t>Линеен</a:t>
             </a:r>
             <a:r>
-              <a:rPr lang="bg-BG" dirty="0" smtClean="0"/>
+              <a:rPr lang="bg-BG" dirty="0"/>
               <a:t> алгоритъм</a:t>
             </a:r>
           </a:p>
           <a:p>
             <a:r>
-              <a:rPr lang="bg-BG" dirty="0" smtClean="0"/>
+              <a:rPr lang="bg-BG" dirty="0"/>
               <a:t>͏</a:t>
             </a:r>
             <a:r>
-              <a:rPr lang="bg-BG" b="1" dirty="0" smtClean="0"/>
-              <a:t>Логически </a:t>
-            </a:r>
-            <a:r>
               <a:rPr lang="bg-BG" b="1" dirty="0"/>
-              <a:t>изрази </a:t>
+              <a:t>Логически изрази </a:t>
             </a:r>
             <a:r>
               <a:rPr lang="bg-BG" dirty="0"/>
               <a:t>и </a:t>
             </a:r>
             <a:r>
-              <a:rPr lang="bg-BG" b="1" dirty="0" smtClean="0"/>
+              <a:rPr lang="bg-BG" b="1" dirty="0"/>
               <a:t>проверки</a:t>
             </a:r>
           </a:p>
           <a:p>
             <a:r>
-              <a:rPr lang="bg-BG" dirty="0" smtClean="0"/>
+              <a:rPr lang="bg-BG" dirty="0"/>
               <a:t>͏</a:t>
             </a:r>
             <a:r>
-              <a:rPr lang="bg-BG" b="1" dirty="0" smtClean="0">
+              <a:rPr lang="bg-BG" b="1" dirty="0">
                 <a:solidFill>
                   <a:schemeClr val="bg1"/>
                 </a:solidFill>
@@ -14778,67 +14671,54 @@
               <a:t>Разклонен</a:t>
             </a:r>
             <a:r>
-              <a:rPr lang="bg-BG" dirty="0" smtClean="0"/>
+              <a:rPr lang="bg-BG" dirty="0"/>
               <a:t> алгоритъм</a:t>
             </a:r>
           </a:p>
           <a:p>
             <a:r>
-              <a:rPr lang="bg-BG" dirty="0" smtClean="0"/>
+              <a:rPr lang="bg-BG" dirty="0"/>
               <a:t>͏</a:t>
             </a:r>
             <a:r>
-              <a:rPr lang="bg-BG" b="1" dirty="0" smtClean="0"/>
+              <a:rPr lang="bg-BG" b="1" dirty="0"/>
               <a:t>Закръгляне</a:t>
             </a:r>
             <a:r>
-              <a:rPr lang="bg-BG" dirty="0" smtClean="0"/>
-              <a:t> </a:t>
-            </a:r>
-            <a:r>
               <a:rPr lang="bg-BG" dirty="0"/>
-              <a:t>и </a:t>
-            </a:r>
-            <a:r>
-              <a:rPr lang="bg-BG" b="1" dirty="0" smtClean="0"/>
+              <a:t> и </a:t>
+            </a:r>
+            <a:r>
+              <a:rPr lang="bg-BG" b="1" dirty="0"/>
               <a:t>форматиране</a:t>
             </a:r>
-            <a:endParaRPr lang="en-US" b="1" dirty="0" smtClean="0"/>
-          </a:p>
-          <a:p>
-            <a:r>
-              <a:rPr lang="bg-BG" dirty="0" smtClean="0"/>
+            <a:endParaRPr lang="en-US" b="1" dirty="0"/>
+          </a:p>
+          <a:p>
+            <a:r>
+              <a:rPr lang="bg-BG" dirty="0"/>
               <a:t>Дебъгване</a:t>
             </a:r>
           </a:p>
           <a:p>
             <a:r>
               <a:rPr lang="bg-BG" dirty="0"/>
-              <a:t>Серии от </a:t>
-            </a:r>
-            <a:r>
-              <a:rPr lang="bg-BG" dirty="0" smtClean="0"/>
-              <a:t>проверки</a:t>
-            </a:r>
-          </a:p>
-          <a:p>
-            <a:r>
-              <a:rPr lang="bg-BG" dirty="0" smtClean="0"/>
+              <a:t>Серии от проверки</a:t>
+            </a:r>
+          </a:p>
+          <a:p>
+            <a:r>
+              <a:rPr lang="bg-BG" dirty="0"/>
               <a:t>͏</a:t>
             </a:r>
             <a:r>
-              <a:rPr lang="bg-BG" b="1" dirty="0" smtClean="0"/>
+              <a:rPr lang="bg-BG" b="1" dirty="0"/>
               <a:t>Живот</a:t>
             </a:r>
             <a:r>
-              <a:rPr lang="bg-BG" dirty="0" smtClean="0"/>
-              <a:t> </a:t>
-            </a:r>
-            <a:r>
               <a:rPr lang="bg-BG" dirty="0"/>
-              <a:t>на променлива</a:t>
-            </a:r>
-            <a:endParaRPr lang="bg-BG" dirty="0" smtClean="0"/>
+              <a:t> на променлива</a:t>
+            </a:r>
           </a:p>
         </p:txBody>
       </p:sp>
@@ -16925,11 +16805,7 @@
           <a:p>
             <a:r>
               <a:rPr lang="bg-BG" dirty="0"/>
-              <a:t>Закръгляне и </a:t>
-            </a:r>
-            <a:r>
-              <a:rPr lang="bg-BG" dirty="0" smtClean="0"/>
-              <a:t>форматиране</a:t>
+              <a:t>Закръгляне и форматиране</a:t>
             </a:r>
             <a:endParaRPr lang="en-US" dirty="0"/>
           </a:p>
@@ -17000,13 +16876,6 @@
       <p:transition spd="slow" advClick="0" advTm="5000"/>
     </mc:Fallback>
   </mc:AlternateContent>
-  <p:timing>
-    <p:tnLst>
-      <p:par>
-        <p:cTn id="1" dur="indefinite" restart="never" nodeType="tmRoot"/>
-      </p:par>
-    </p:tnLst>
-  </p:timing>
 </p:sld>
 </file>
 
@@ -17972,11 +17841,11 @@
           <a:p>
             <a:pPr lvl="1"/>
             <a:r>
-              <a:rPr lang="bg-BG" b="1" dirty="0" smtClean="0"/>
+              <a:rPr lang="bg-BG" b="1" dirty="0"/>
               <a:t>͏</a:t>
             </a:r>
             <a:r>
-              <a:rPr lang="bg-BG" b="1" dirty="0" smtClean="0">
+              <a:rPr lang="bg-BG" b="1" dirty="0">
                 <a:solidFill>
                   <a:schemeClr val="bg1"/>
                 </a:solidFill>
@@ -17984,12 +17853,8 @@
               <a:t>Закръгляне</a:t>
             </a:r>
             <a:r>
-              <a:rPr lang="bg-BG" dirty="0" smtClean="0"/>
-              <a:t> </a:t>
-            </a:r>
-            <a:r>
               <a:rPr lang="bg-BG" dirty="0"/>
-              <a:t>до </a:t>
+              <a:t> до </a:t>
             </a:r>
             <a:r>
               <a:rPr lang="bg-BG" b="1" dirty="0"/>
@@ -18014,11 +17879,11 @@
           <a:p>
             <a:pPr lvl="1"/>
             <a:r>
-              <a:rPr lang="bg-BG" b="1" dirty="0" smtClean="0"/>
+              <a:rPr lang="bg-BG" b="1" dirty="0"/>
               <a:t>͏͏</a:t>
             </a:r>
             <a:r>
-              <a:rPr lang="bg-BG" b="1" dirty="0" smtClean="0">
+              <a:rPr lang="bg-BG" b="1" dirty="0">
                 <a:solidFill>
                   <a:schemeClr val="bg1"/>
                 </a:solidFill>
@@ -18026,12 +17891,8 @@
               <a:t>Форматиране</a:t>
             </a:r>
             <a:r>
-              <a:rPr lang="bg-BG" dirty="0" smtClean="0"/>
-              <a:t> </a:t>
-            </a:r>
-            <a:r>
               <a:rPr lang="bg-BG" dirty="0"/>
-              <a:t>до </a:t>
+              <a:t> до </a:t>
             </a:r>
             <a:r>
               <a:rPr lang="bg-BG" b="1" dirty="0"/>
@@ -18099,7 +17960,7 @@
         </p:nvSpPr>
         <p:spPr bwMode="auto">
           <a:xfrm>
-            <a:off x="920999" y="3134508"/>
+            <a:off x="920999" y="3269508"/>
             <a:ext cx="7536655" cy="523220"/>
           </a:xfrm>
           <a:prstGeom prst="rect">
@@ -18399,7 +18260,7 @@
         </p:nvSpPr>
         <p:spPr>
           <a:xfrm>
-            <a:off x="6501000" y="3084516"/>
+            <a:off x="6501000" y="3204000"/>
             <a:ext cx="1956654" cy="633929"/>
           </a:xfrm>
           <a:prstGeom prst="rect">
@@ -18497,7 +18358,7 @@
         </p:nvSpPr>
         <p:spPr bwMode="auto">
           <a:xfrm>
-            <a:off x="4989364" y="4239000"/>
+            <a:off x="4989364" y="4374000"/>
             <a:ext cx="3716635" cy="990000"/>
           </a:xfrm>
           <a:prstGeom prst="wedgeRoundRectCallout">
@@ -18884,7 +18745,7 @@
           <a:lstStyle/>
           <a:p>
             <a:r>
-              <a:rPr lang="bg-BG" dirty="0" smtClean="0"/>
+              <a:rPr lang="bg-BG" dirty="0"/>
               <a:t>Закръгляне</a:t>
             </a:r>
             <a:endParaRPr lang="en-US" dirty="0"/>
@@ -18907,7 +18768,7 @@
           <a:lstStyle/>
           <a:p>
             <a:r>
-              <a:rPr lang="bg-BG" dirty="0" smtClean="0"/>
+              <a:rPr lang="bg-BG" dirty="0"/>
               <a:t>Форматиране</a:t>
             </a:r>
             <a:endParaRPr lang="en-US" dirty="0"/>
@@ -18933,11 +18794,7 @@
           <a:p>
             <a:r>
               <a:rPr lang="bg-BG" dirty="0"/>
-              <a:t>͏Разлика между форматиране и </a:t>
-            </a:r>
-            <a:r>
-              <a:rPr lang="bg-BG" dirty="0" smtClean="0"/>
-              <a:t>закръгляне</a:t>
+              <a:t>͏Разлика между форматиране и закръгляне</a:t>
             </a:r>
             <a:endParaRPr lang="en-US" dirty="0"/>
           </a:p>
@@ -18996,16 +18853,10 @@
               <a:buSzPct val="70000"/>
             </a:pPr>
             <a:r>
-              <a:rPr lang="en-US" sz="2600" b="1" noProof="1" smtClean="0">
-                <a:latin typeface="Consolas" pitchFamily="49" charset="0"/>
-              </a:rPr>
-              <a:t>print(f</a:t>
-            </a:r>
-            <a:r>
               <a:rPr lang="en-US" sz="2600" b="1" noProof="1">
                 <a:latin typeface="Consolas" pitchFamily="49" charset="0"/>
               </a:rPr>
-              <a:t>"{45.6</a:t>
+              <a:t>print(f"{45.6</a:t>
             </a:r>
             <a:r>
               <a:rPr lang="bg-BG" sz="2600" b="1" noProof="1">
@@ -19017,15 +18868,9 @@
               <a:rPr lang="en-US" sz="2600" b="1" noProof="1">
                 <a:latin typeface="Consolas" pitchFamily="49" charset="0"/>
               </a:rPr>
-              <a:t>:.4f</a:t>
-            </a:r>
-            <a:r>
-              <a:rPr lang="en-US" sz="2600" b="1" noProof="1" smtClean="0">
-                <a:latin typeface="Consolas" pitchFamily="49" charset="0"/>
-              </a:rPr>
-              <a:t>}")</a:t>
-            </a:r>
-            <a:endParaRPr lang="bg-BG" sz="2600" b="1" noProof="1" smtClean="0">
+              <a:t>:.4f}")</a:t>
+            </a:r>
+            <a:endParaRPr lang="bg-BG" sz="2600" b="1" noProof="1">
               <a:latin typeface="Consolas" pitchFamily="49" charset="0"/>
             </a:endParaRPr>
           </a:p>
@@ -19119,15 +18964,9 @@
               <a:rPr lang="en-US" sz="2600" b="1" noProof="1">
                 <a:latin typeface="Consolas" pitchFamily="49" charset="0"/>
               </a:rPr>
-              <a:t>, 4</a:t>
-            </a:r>
-            <a:r>
-              <a:rPr lang="en-US" sz="2600" b="1" noProof="1" smtClean="0">
-                <a:latin typeface="Consolas" pitchFamily="49" charset="0"/>
-              </a:rPr>
-              <a:t>))</a:t>
-            </a:r>
-            <a:endParaRPr lang="bg-BG" sz="2600" b="1" noProof="1" smtClean="0">
+              <a:t>, 4))</a:t>
+            </a:r>
+            <a:endParaRPr lang="bg-BG" sz="2600" b="1" noProof="1">
               <a:latin typeface="Consolas" pitchFamily="49" charset="0"/>
             </a:endParaRPr>
           </a:p>
@@ -19741,11 +19580,11 @@
           <a:lstStyle/>
           <a:p>
             <a:r>
-              <a:rPr lang="bg-BG" sz="3600" dirty="0" smtClean="0"/>
+              <a:rPr lang="bg-BG" sz="3600" dirty="0"/>
               <a:t>͏</a:t>
             </a:r>
             <a:r>
-              <a:rPr lang="bg-BG" sz="3600" b="1" dirty="0" smtClean="0">
+              <a:rPr lang="bg-BG" sz="3600" b="1" dirty="0">
                 <a:solidFill>
                   <a:schemeClr val="bg1"/>
                 </a:solidFill>
@@ -19753,12 +19592,8 @@
               <a:t>Дебъгване</a:t>
             </a:r>
             <a:r>
-              <a:rPr lang="bg-BG" sz="3600" dirty="0" smtClean="0"/>
-              <a:t> – процес </a:t>
-            </a:r>
-            <a:r>
               <a:rPr lang="bg-BG" sz="3600" dirty="0"/>
-              <a:t>на </a:t>
+              <a:t> – процес на </a:t>
             </a:r>
             <a:r>
               <a:rPr lang="bg-BG" sz="3600" b="1" dirty="0"/>
@@ -20015,7 +19850,7 @@
           <a:p>
             <a:pPr algn="ctr"/>
             <a:r>
-              <a:rPr lang="en-US" sz="2800" b="1" dirty="0" smtClean="0">
+              <a:rPr lang="en-US" sz="2800" b="1" dirty="0">
                 <a:solidFill>
                   <a:srgbClr val="FFFFFF"/>
                 </a:solidFill>
@@ -20029,18 +19864,6 @@
               </a:rPr>
               <a:t>Breakpoint</a:t>
             </a:r>
-            <a:endParaRPr lang="en-US" sz="2800" b="1" dirty="0">
-              <a:solidFill>
-                <a:srgbClr val="FFFFFF"/>
-              </a:solidFill>
-              <a:effectLst>
-                <a:outerShdw blurRad="38100" dist="38100" dir="2700000" algn="tl">
-                  <a:srgbClr val="000000">
-                    <a:alpha val="43137"/>
-                  </a:srgbClr>
-                </a:outerShdw>
-              </a:effectLst>
-            </a:endParaRPr>
           </a:p>
         </p:txBody>
       </p:sp>
@@ -20202,14 +20025,10 @@
           <a:p>
             <a:r>
               <a:rPr lang="bg-BG" dirty="0"/>
-              <a:t>Дебъгване </a:t>
-            </a:r>
-            <a:r>
-              <a:rPr lang="bg-BG" dirty="0" smtClean="0"/>
-              <a:t>в</a:t>
-            </a:r>
-            <a:r>
-              <a:rPr lang="en-US" dirty="0" smtClean="0"/>
+              <a:t>Дебъгване в</a:t>
+            </a:r>
+            <a:r>
+              <a:rPr lang="en-US" dirty="0"/>
               <a:t> Thonny</a:t>
             </a:r>
             <a:endParaRPr lang="en-GB" dirty="0"/>
@@ -20251,26 +20070,22 @@
             </a:pPr>
             <a:r>
               <a:rPr lang="bg-BG" sz="3000" dirty="0"/>
-              <a:t>Натискане </a:t>
-            </a:r>
-            <a:r>
-              <a:rPr lang="bg-BG" sz="3000" dirty="0" smtClean="0"/>
-              <a:t>на </a:t>
-            </a:r>
-            <a:r>
-              <a:rPr lang="bg-BG" sz="3000" b="1" dirty="0" smtClean="0"/>
+              <a:t>Натискане на </a:t>
+            </a:r>
+            <a:r>
+              <a:rPr lang="bg-BG" sz="3000" b="1" dirty="0"/>
               <a:t>бутона</a:t>
             </a:r>
             <a:r>
-              <a:rPr lang="bg-BG" sz="3000" dirty="0" smtClean="0"/>
+              <a:rPr lang="bg-BG" sz="3000" dirty="0"/>
               <a:t> </a:t>
             </a:r>
             <a:r>
-              <a:rPr lang="en-US" sz="3000" dirty="0" smtClean="0"/>
+              <a:rPr lang="en-US" sz="3000" dirty="0"/>
               <a:t>[</a:t>
             </a:r>
             <a:r>
-              <a:rPr lang="en-US" sz="3000" b="1" dirty="0" smtClean="0">
+              <a:rPr lang="en-US" sz="3000" b="1" dirty="0">
                 <a:solidFill>
                   <a:schemeClr val="bg1"/>
                 </a:solidFill>
@@ -20278,11 +20093,11 @@
               <a:t>Debugger</a:t>
             </a:r>
             <a:r>
-              <a:rPr lang="en-US" sz="3000" dirty="0" smtClean="0"/>
+              <a:rPr lang="en-US" sz="3000" dirty="0"/>
               <a:t>]</a:t>
             </a:r>
             <a:r>
-              <a:rPr lang="bg-BG" sz="3000" b="1" dirty="0" smtClean="0">
+              <a:rPr lang="bg-BG" sz="3000" b="1" dirty="0">
                 <a:solidFill>
                   <a:schemeClr val="bg1"/>
                 </a:solidFill>
@@ -20294,7 +20109,7 @@
               <a:t>ще стартира програмата в </a:t>
             </a:r>
             <a:r>
-              <a:rPr lang="en-US" sz="3000" b="1" dirty="0" smtClean="0">
+              <a:rPr lang="en-US" sz="3000" b="1" dirty="0">
                 <a:solidFill>
                   <a:schemeClr val="bg1"/>
                 </a:solidFill>
@@ -20302,14 +20117,13 @@
               <a:t>debug</a:t>
             </a:r>
             <a:r>
-              <a:rPr lang="en-US" sz="3000" b="1" dirty="0" smtClean="0"/>
+              <a:rPr lang="en-US" sz="3000" b="1" dirty="0"/>
               <a:t> </a:t>
             </a:r>
             <a:r>
-              <a:rPr lang="bg-BG" sz="3000" b="1" dirty="0" smtClean="0"/>
+              <a:rPr lang="bg-BG" sz="3000" b="1" dirty="0"/>
               <a:t>режим</a:t>
             </a:r>
-            <a:endParaRPr lang="bg-BG" sz="3000" b="1" dirty="0"/>
           </a:p>
           <a:p>
             <a:pPr>
@@ -20334,7 +20148,7 @@
               <a:t>[</a:t>
             </a:r>
             <a:r>
-              <a:rPr lang="bg-BG" sz="3000" b="1" dirty="0" smtClean="0">
+              <a:rPr lang="bg-BG" sz="3000" b="1" dirty="0">
                 <a:solidFill>
                   <a:schemeClr val="bg1"/>
                 </a:solidFill>
@@ -20350,10 +20164,9 @@
               <a:t>7</a:t>
             </a:r>
             <a:r>
-              <a:rPr lang="en-US" sz="3000" dirty="0" smtClean="0"/>
+              <a:rPr lang="en-US" sz="3000" dirty="0"/>
               <a:t>]</a:t>
             </a:r>
-            <a:endParaRPr lang="en-US" sz="3000" dirty="0"/>
           </a:p>
           <a:p>
             <a:pPr>
@@ -20370,7 +20183,7 @@
               <a:t> </a:t>
             </a:r>
             <a:r>
-              <a:rPr lang="bg-BG" sz="3000" b="1" dirty="0" smtClean="0">
+              <a:rPr lang="bg-BG" sz="3000" b="1" dirty="0">
                 <a:solidFill>
                   <a:schemeClr val="bg1"/>
                 </a:solidFill>
@@ -20378,7 +20191,7 @@
               <a:t>стопери</a:t>
             </a:r>
             <a:r>
-              <a:rPr lang="bg-BG" sz="3000" dirty="0" smtClean="0"/>
+              <a:rPr lang="bg-BG" sz="3000" dirty="0"/>
               <a:t> </a:t>
             </a:r>
             <a:r>
@@ -20386,26 +20199,25 @@
               <a:t>(</a:t>
             </a:r>
             <a:r>
-              <a:rPr lang="en-US" sz="3000" b="1" dirty="0" smtClean="0"/>
+              <a:rPr lang="en-US" sz="3000" b="1" dirty="0"/>
               <a:t>breakpoints</a:t>
             </a:r>
             <a:r>
-              <a:rPr lang="en-US" sz="3000" dirty="0" smtClean="0"/>
+              <a:rPr lang="en-US" sz="3000" dirty="0"/>
               <a:t>)</a:t>
             </a:r>
             <a:r>
-              <a:rPr lang="bg-BG" sz="3000" dirty="0" smtClean="0"/>
+              <a:rPr lang="bg-BG" sz="3000" dirty="0"/>
               <a:t>,</a:t>
             </a:r>
             <a:r>
-              <a:rPr lang="en-US" sz="3000" dirty="0" smtClean="0"/>
+              <a:rPr lang="en-US" sz="3000" dirty="0"/>
               <a:t> </a:t>
             </a:r>
             <a:r>
-              <a:rPr lang="bg-BG" sz="3000" dirty="0" smtClean="0"/>
+              <a:rPr lang="bg-BG" sz="3000" dirty="0"/>
               <a:t>като цъкнем в най-лявата част на полето за писане на код</a:t>
             </a:r>
-            <a:endParaRPr lang="bg-BG" sz="3000" dirty="0"/>
           </a:p>
         </p:txBody>
       </p:sp>
@@ -21005,7 +20817,7 @@
           <a:lstStyle/>
           <a:p>
             <a:r>
-              <a:rPr lang="bg-BG" dirty="0" smtClean="0"/>
+              <a:rPr lang="bg-BG" dirty="0"/>
               <a:t>Дебъгване – видео</a:t>
             </a:r>
             <a:endParaRPr lang="en-US" dirty="0"/>
@@ -21067,13 +20879,6 @@
       <p:transition spd="slow" advClick="0" advTm="5000"/>
     </mc:Fallback>
   </mc:AlternateContent>
-  <p:timing>
-    <p:tnLst>
-      <p:par>
-        <p:cTn id="1" dur="indefinite" restart="never" nodeType="tmRoot"/>
-      </p:par>
-    </p:tnLst>
-  </p:timing>
 </p:sld>
 </file>
 
@@ -21116,11 +20921,7 @@
           <a:p>
             <a:r>
               <a:rPr lang="bg-BG" dirty="0"/>
-              <a:t>͏Линеен </a:t>
-            </a:r>
-            <a:r>
-              <a:rPr lang="bg-BG" dirty="0" smtClean="0"/>
-              <a:t>алгоритъм</a:t>
+              <a:t>͏Линеен алгоритъм</a:t>
             </a:r>
             <a:endParaRPr lang="en-US" dirty="0"/>
           </a:p>
@@ -21174,13 +20975,6 @@
       <p:transition spd="slow" advClick="0" advTm="5000"/>
     </mc:Fallback>
   </mc:AlternateContent>
-  <p:timing>
-    <p:tnLst>
-      <p:par>
-        <p:cTn id="1" dur="indefinite" restart="never" nodeType="tmRoot"/>
-      </p:par>
-    </p:tnLst>
-  </p:timing>
 </p:sld>
 </file>
 
@@ -21218,13 +21012,8 @@
           <a:p>
             <a:r>
               <a:rPr lang="bg-BG" dirty="0"/>
-              <a:t>По-сложни условни </a:t>
-            </a:r>
-            <a:r>
-              <a:rPr lang="bg-BG" dirty="0" smtClean="0"/>
-              <a:t>конструкции</a:t>
-            </a:r>
-            <a:endParaRPr lang="bg-BG" dirty="0"/>
+              <a:t>По-сложни условни конструкции</a:t>
+            </a:r>
           </a:p>
         </p:txBody>
       </p:sp>
@@ -21305,13 +21094,6 @@
       <p:transition spd="slow" advClick="0" advTm="5000"/>
     </mc:Fallback>
   </mc:AlternateContent>
-  <p:timing>
-    <p:tnLst>
-      <p:par>
-        <p:cTn id="1" dur="indefinite" restart="never" nodeType="tmRoot"/>
-      </p:par>
-    </p:tnLst>
-  </p:timing>
 </p:sld>
 </file>
 
@@ -22853,13 +22635,8 @@
           <a:p>
             <a:r>
               <a:rPr lang="bg-BG" dirty="0"/>
-              <a:t>Диапазон на </a:t>
-            </a:r>
-            <a:r>
-              <a:rPr lang="bg-BG" dirty="0" smtClean="0"/>
-              <a:t>използване</a:t>
-            </a:r>
-            <a:endParaRPr lang="bg-BG" dirty="0"/>
+              <a:t>Диапазон на използване</a:t>
+            </a:r>
           </a:p>
         </p:txBody>
       </p:sp>
@@ -22947,13 +22724,6 @@
       <p:transition spd="slow" advClick="0" advTm="5000"/>
     </mc:Fallback>
   </mc:AlternateContent>
-  <p:timing>
-    <p:tnLst>
-      <p:par>
-        <p:cTn id="1" dur="indefinite" restart="never" nodeType="tmRoot"/>
-      </p:par>
-    </p:tnLst>
-  </p:timing>
 </p:sld>
 </file>
 
@@ -23014,12 +22784,11 @@
               <a:rPr lang="en-US" sz="3600" dirty="0"/>
               <a:t>: </a:t>
             </a:r>
-            <a:endParaRPr lang="en-US" sz="3600" dirty="0" smtClean="0"/>
           </a:p>
           <a:p>
             <a:pPr marL="909638" lvl="2" indent="-457200"/>
             <a:r>
-              <a:rPr lang="en-US" sz="3400" dirty="0" smtClean="0"/>
+              <a:rPr lang="en-US" sz="3400" dirty="0"/>
               <a:t>Променливата </a:t>
             </a:r>
             <a:r>
@@ -23089,13 +22858,8 @@
           <a:p>
             <a:r>
               <a:rPr lang="en-US" dirty="0"/>
-              <a:t>Живот на </a:t>
-            </a:r>
-            <a:r>
-              <a:rPr lang="en-US" dirty="0" smtClean="0"/>
-              <a:t>променлива (1)</a:t>
-            </a:r>
-            <a:endParaRPr lang="en-US" dirty="0"/>
+              <a:t>Живот на променлива (1)</a:t>
+            </a:r>
           </a:p>
         </p:txBody>
       </p:sp>
@@ -23653,12 +23417,11 @@
               <a:rPr lang="en-US" sz="3600" dirty="0"/>
               <a:t>: </a:t>
             </a:r>
-            <a:endParaRPr lang="en-US" sz="3600" dirty="0" smtClean="0"/>
           </a:p>
           <a:p>
             <a:pPr marL="909638" lvl="2" indent="-457200"/>
             <a:r>
-              <a:rPr lang="en-US" sz="3400" dirty="0" smtClean="0"/>
+              <a:rPr lang="en-US" sz="3400" dirty="0"/>
               <a:t>Променливата </a:t>
             </a:r>
             <a:r>
@@ -23705,11 +23468,11 @@
           <a:lstStyle/>
           <a:p>
             <a:r>
-              <a:rPr lang="bg-BG" dirty="0" smtClean="0"/>
+              <a:rPr lang="bg-BG" dirty="0"/>
               <a:t>Живот на променлива</a:t>
             </a:r>
             <a:r>
-              <a:rPr lang="en-US" dirty="0" smtClean="0"/>
+              <a:rPr lang="en-US" dirty="0"/>
               <a:t> (2)</a:t>
             </a:r>
             <a:endParaRPr lang="bg-BG" dirty="0"/>
@@ -24888,7 +24651,7 @@
           </a:lstStyle>
           <a:p>
             <a:r>
-              <a:rPr lang="bg-BG" sz="3200" b="1" dirty="0" smtClean="0">
+              <a:rPr lang="bg-BG" sz="3200" b="1" dirty="0">
                 <a:solidFill>
                   <a:schemeClr val="bg2"/>
                 </a:solidFill>
@@ -24896,20 +24659,12 @@
               <a:t>Оператори</a:t>
             </a:r>
             <a:r>
-              <a:rPr lang="bg-BG" sz="3200" dirty="0" smtClean="0">
+              <a:rPr lang="bg-BG" sz="3200" dirty="0">
                 <a:solidFill>
                   <a:schemeClr val="bg2"/>
                 </a:solidFill>
               </a:rPr>
-              <a:t> </a:t>
-            </a:r>
-            <a:r>
-              <a:rPr lang="bg-BG" sz="3200" dirty="0">
-                <a:solidFill>
-                  <a:schemeClr val="bg2"/>
-                </a:solidFill>
-              </a:rPr>
-              <a:t>за </a:t>
+              <a:t> за </a:t>
             </a:r>
             <a:r>
               <a:rPr lang="bg-BG" sz="3200" b="1" dirty="0">
@@ -25026,18 +24781,9 @@
                 </a:solidFill>
                 <a:latin typeface="Calibri (Body)"/>
               </a:rPr>
-              <a:t>Серии от </a:t>
-            </a:r>
-            <a:r>
-              <a:rPr lang="bg-BG" sz="3200" dirty="0" smtClean="0">
-                <a:solidFill>
-                  <a:schemeClr val="bg2"/>
-                </a:solidFill>
-                <a:latin typeface="Calibri (Body)"/>
-              </a:rPr>
-              <a:t>проверки</a:t>
-            </a:r>
-            <a:endParaRPr lang="en-US" sz="3200" dirty="0" smtClean="0">
+              <a:t>Серии от проверки</a:t>
+            </a:r>
+            <a:endParaRPr lang="en-US" sz="3200" dirty="0">
               <a:solidFill>
                 <a:schemeClr val="bg2"/>
               </a:solidFill>
@@ -25053,7 +24799,7 @@
               </a:rPr>
               <a:t>Дебъгване</a:t>
             </a:r>
-            <a:endParaRPr lang="bg-BG" sz="3200" dirty="0" smtClean="0">
+            <a:endParaRPr lang="bg-BG" sz="3200" dirty="0">
               <a:solidFill>
                 <a:schemeClr val="bg2"/>
               </a:solidFill>
@@ -25062,7 +24808,7 @@
           </a:p>
           <a:p>
             <a:r>
-              <a:rPr lang="bg-BG" sz="3200" b="1" dirty="0" smtClean="0">
+              <a:rPr lang="bg-BG" sz="3200" b="1" dirty="0">
                 <a:solidFill>
                   <a:schemeClr val="bg2"/>
                 </a:solidFill>
@@ -25070,34 +24816,13 @@
               <a:t>Живот</a:t>
             </a:r>
             <a:r>
-              <a:rPr lang="bg-BG" sz="3200" dirty="0" smtClean="0">
+              <a:rPr lang="bg-BG" sz="3200" dirty="0">
                 <a:solidFill>
                   <a:schemeClr val="bg2"/>
                 </a:solidFill>
               </a:rPr>
-              <a:t> </a:t>
-            </a:r>
-            <a:r>
-              <a:rPr lang="bg-BG" sz="3200" dirty="0">
-                <a:solidFill>
-                  <a:schemeClr val="bg2"/>
-                </a:solidFill>
-              </a:rPr>
-              <a:t>на </a:t>
-            </a:r>
-            <a:r>
-              <a:rPr lang="bg-BG" sz="3200" dirty="0" smtClean="0">
-                <a:solidFill>
-                  <a:schemeClr val="bg2"/>
-                </a:solidFill>
-              </a:rPr>
-              <a:t>променливата</a:t>
-            </a:r>
-            <a:endParaRPr lang="bg-BG" sz="3200" dirty="0">
-              <a:solidFill>
-                <a:schemeClr val="bg2"/>
-              </a:solidFill>
-            </a:endParaRPr>
+              <a:t> на променливата</a:t>
+            </a:r>
           </a:p>
         </p:txBody>
       </p:sp>
@@ -25511,7 +25236,7 @@
                 <a:hlinkClick r:id="rId3">
                   <a:extLst>
                     <a:ext uri="{A12FA001-AC4F-418D-AE19-62706E023703}">
-                      <ahyp:hlinkClr xmlns="" xmlns:ahyp="http://schemas.microsoft.com/office/drawing/2018/hyperlinkcolor" val="tx"/>
+                      <ahyp:hlinkClr xmlns:ahyp="http://schemas.microsoft.com/office/drawing/2018/hyperlinkcolor" val="tx"/>
                     </a:ext>
                   </a:extLst>
                 </a:hlinkClick>
@@ -25584,13 +25309,6 @@
       <p:transition spd="slow" advClick="0" advTm="5000"/>
     </mc:Fallback>
   </mc:AlternateContent>
-  <p:timing>
-    <p:tnLst>
-      <p:par>
-        <p:cTn id="1" dur="indefinite" restart="never" nodeType="tmRoot"/>
-      </p:par>
-    </p:tnLst>
-  </p:timing>
 </p:sld>
 </file>
 
@@ -25974,13 +25692,6 @@
       <p:transition spd="slow" advClick="0" advTm="5000"/>
     </mc:Fallback>
   </mc:AlternateContent>
-  <p:timing>
-    <p:tnLst>
-      <p:par>
-        <p:cTn id="1" dur="indefinite" restart="never" nodeType="tmRoot"/>
-      </p:par>
-    </p:tnLst>
-  </p:timing>
 </p:sld>
 </file>
 
@@ -26022,27 +25733,19 @@
           <a:lstStyle/>
           <a:p>
             <a:r>
-              <a:rPr lang="ru-RU" dirty="0" smtClean="0"/>
+              <a:rPr lang="ru-RU" dirty="0"/>
               <a:t>͏</a:t>
             </a:r>
             <a:r>
-              <a:rPr lang="ru-RU" b="1" dirty="0" smtClean="0">
+              <a:rPr lang="ru-RU" b="1" dirty="0">
                 <a:solidFill>
                   <a:schemeClr val="bg1"/>
                 </a:solidFill>
               </a:rPr>
-              <a:t>Линейният </a:t>
-            </a:r>
-            <a:r>
-              <a:rPr lang="ru-RU" b="1" dirty="0">
-                <a:solidFill>
-                  <a:schemeClr val="bg1"/>
-                </a:solidFill>
-              </a:rPr>
-              <a:t>алгоритъм </a:t>
-            </a:r>
-            <a:r>
-              <a:rPr lang="ru-RU" dirty="0" smtClean="0"/>
+              <a:t>Линейният алгоритъм </a:t>
+            </a:r>
+            <a:r>
+              <a:rPr lang="ru-RU" dirty="0"/>
               <a:t>– </a:t>
             </a:r>
             <a:r>
@@ -26059,11 +25762,7 @@
             </a:r>
             <a:r>
               <a:rPr lang="ru-RU" dirty="0"/>
-              <a:t>, които следват една </a:t>
-            </a:r>
-            <a:r>
-              <a:rPr lang="ru-RU" dirty="0" smtClean="0"/>
-              <a:t>линия</a:t>
+              <a:t>, които следват една линия</a:t>
             </a:r>
           </a:p>
           <a:p>
@@ -26081,7 +25780,7 @@
               <a:t>или </a:t>
             </a:r>
             <a:r>
-              <a:rPr lang="ru-RU" b="1" dirty="0" smtClean="0"/>
+              <a:rPr lang="ru-RU" b="1" dirty="0"/>
               <a:t>разклонение</a:t>
             </a:r>
           </a:p>
@@ -26139,7 +25838,7 @@
           <a:lstStyle/>
           <a:p>
             <a:r>
-              <a:rPr lang="bg-BG" dirty="0" smtClean="0"/>
+              <a:rPr lang="bg-BG" dirty="0"/>
               <a:t>Линеен алгоритъм</a:t>
             </a:r>
             <a:endParaRPr lang="en-US" dirty="0"/>
@@ -26235,7 +25934,7 @@
           <a:p>
             <a:pPr algn="ctr"/>
             <a:r>
-              <a:rPr lang="bg-BG" sz="2800" b="1" dirty="0" smtClean="0">
+              <a:rPr lang="bg-BG" sz="2800" b="1" dirty="0">
                 <a:solidFill>
                   <a:srgbClr val="FFFFFF"/>
                 </a:solidFill>
@@ -26320,7 +26019,7 @@
           <a:p>
             <a:pPr algn="ctr"/>
             <a:r>
-              <a:rPr lang="bg-BG" sz="2800" b="1" dirty="0" smtClean="0">
+              <a:rPr lang="bg-BG" sz="2800" b="1" dirty="0">
                 <a:solidFill>
                   <a:srgbClr val="FFFFFF"/>
                 </a:solidFill>
@@ -26335,7 +26034,7 @@
               <a:t>а</a:t>
             </a:r>
             <a:r>
-              <a:rPr lang="en-US" sz="2800" b="1" dirty="0" smtClean="0">
+              <a:rPr lang="en-US" sz="2800" b="1" dirty="0">
                 <a:solidFill>
                   <a:srgbClr val="FFFFFF"/>
                 </a:solidFill>
@@ -26349,18 +26048,6 @@
               </a:rPr>
               <a:t>, b</a:t>
             </a:r>
-            <a:endParaRPr lang="en-US" sz="2800" b="1" dirty="0">
-              <a:solidFill>
-                <a:srgbClr val="FFFFFF"/>
-              </a:solidFill>
-              <a:effectLst>
-                <a:outerShdw blurRad="38100" dist="38100" dir="2700000" algn="tl">
-                  <a:srgbClr val="000000">
-                    <a:alpha val="43137"/>
-                  </a:srgbClr>
-                </a:outerShdw>
-              </a:effectLst>
-            </a:endParaRPr>
           </a:p>
         </p:txBody>
       </p:sp>
@@ -26420,7 +26107,7 @@
           <a:p>
             <a:pPr algn="ctr"/>
             <a:r>
-              <a:rPr lang="en-US" sz="2800" b="1" dirty="0" smtClean="0">
+              <a:rPr lang="en-US" sz="2800" b="1" dirty="0">
                 <a:solidFill>
                   <a:srgbClr val="FFFFFF"/>
                 </a:solidFill>
@@ -26435,7 +26122,7 @@
               <a:t>result = a</a:t>
             </a:r>
             <a:r>
-              <a:rPr lang="bg-BG" sz="2800" b="1" dirty="0" smtClean="0">
+              <a:rPr lang="bg-BG" sz="2800" b="1" dirty="0">
                 <a:solidFill>
                   <a:srgbClr val="FFFFFF"/>
                 </a:solidFill>
@@ -26450,7 +26137,7 @@
               <a:t> </a:t>
             </a:r>
             <a:r>
-              <a:rPr lang="en-US" sz="2800" b="1" dirty="0" smtClean="0">
+              <a:rPr lang="en-US" sz="2800" b="1" dirty="0">
                 <a:solidFill>
                   <a:srgbClr val="FFFFFF"/>
                 </a:solidFill>
@@ -26465,7 +26152,7 @@
               <a:t>+</a:t>
             </a:r>
             <a:r>
-              <a:rPr lang="bg-BG" sz="2800" b="1" dirty="0" smtClean="0">
+              <a:rPr lang="bg-BG" sz="2800" b="1" dirty="0">
                 <a:solidFill>
                   <a:srgbClr val="FFFFFF"/>
                 </a:solidFill>
@@ -26480,7 +26167,7 @@
               <a:t> </a:t>
             </a:r>
             <a:r>
-              <a:rPr lang="en-US" sz="2800" b="1" dirty="0" smtClean="0">
+              <a:rPr lang="en-US" sz="2800" b="1" dirty="0">
                 <a:solidFill>
                   <a:srgbClr val="FFFFFF"/>
                 </a:solidFill>
@@ -26494,18 +26181,6 @@
               </a:rPr>
               <a:t>b</a:t>
             </a:r>
-            <a:endParaRPr lang="en-US" sz="2800" b="1" dirty="0">
-              <a:solidFill>
-                <a:srgbClr val="FFFFFF"/>
-              </a:solidFill>
-              <a:effectLst>
-                <a:outerShdw blurRad="38100" dist="38100" dir="2700000" algn="tl">
-                  <a:srgbClr val="000000">
-                    <a:alpha val="43137"/>
-                  </a:srgbClr>
-                </a:outerShdw>
-              </a:effectLst>
-            </a:endParaRPr>
           </a:p>
         </p:txBody>
       </p:sp>
@@ -26565,7 +26240,7 @@
           <a:p>
             <a:pPr algn="ctr"/>
             <a:r>
-              <a:rPr lang="en-US" sz="2800" b="1" dirty="0" smtClean="0">
+              <a:rPr lang="en-US" sz="2800" b="1" dirty="0">
                 <a:solidFill>
                   <a:srgbClr val="FFFFFF"/>
                 </a:solidFill>
@@ -26579,18 +26254,6 @@
               </a:rPr>
               <a:t>result</a:t>
             </a:r>
-            <a:endParaRPr lang="en-US" sz="2800" b="1" dirty="0">
-              <a:solidFill>
-                <a:srgbClr val="FFFFFF"/>
-              </a:solidFill>
-              <a:effectLst>
-                <a:outerShdw blurRad="38100" dist="38100" dir="2700000" algn="tl">
-                  <a:srgbClr val="000000">
-                    <a:alpha val="43137"/>
-                  </a:srgbClr>
-                </a:outerShdw>
-              </a:effectLst>
-            </a:endParaRPr>
           </a:p>
         </p:txBody>
       </p:sp>
@@ -26650,7 +26313,7 @@
           <a:p>
             <a:pPr algn="ctr"/>
             <a:r>
-              <a:rPr lang="bg-BG" sz="2800" b="1" dirty="0" smtClean="0">
+              <a:rPr lang="bg-BG" sz="2800" b="1" dirty="0">
                 <a:solidFill>
                   <a:srgbClr val="FFFFFF"/>
                 </a:solidFill>
@@ -27397,10 +27060,9 @@
           <a:lstStyle/>
           <a:p>
             <a:r>
-              <a:rPr lang="en-US" dirty="0" smtClean="0"/>
+              <a:rPr lang="en-US" dirty="0"/>
               <a:t>Python</a:t>
             </a:r>
-            <a:endParaRPr lang="en-US" dirty="0"/>
           </a:p>
         </p:txBody>
       </p:sp>
@@ -27420,10 +27082,9 @@
           <a:lstStyle/>
           <a:p>
             <a:r>
-              <a:rPr lang="en-US" dirty="0" smtClean="0"/>
+              <a:rPr lang="en-US" dirty="0"/>
               <a:t>Scratch</a:t>
             </a:r>
-            <a:endParaRPr lang="en-US" dirty="0"/>
           </a:p>
         </p:txBody>
       </p:sp>
@@ -27443,7 +27104,7 @@
           <a:lstStyle/>
           <a:p>
             <a:r>
-              <a:rPr lang="bg-BG" dirty="0" smtClean="0"/>
+              <a:rPr lang="bg-BG" dirty="0"/>
               <a:t>Линеен алгоритъм – </a:t>
             </a:r>
             <a:r>
@@ -27539,24 +27200,24 @@
               <a:buSzPct val="70000"/>
             </a:pPr>
             <a:r>
-              <a:rPr lang="en-US" sz="2400" b="1" dirty="0" smtClean="0">
+              <a:rPr lang="en-US" sz="2400" b="1" dirty="0">
                 <a:latin typeface="Consolas" panose="020B0609020204030204" pitchFamily="49" charset="0"/>
               </a:rPr>
               <a:t>print("</a:t>
             </a:r>
             <a:r>
-              <a:rPr lang="bg-BG" sz="2400" b="1" dirty="0" smtClean="0">
+              <a:rPr lang="bg-BG" sz="2400" b="1" dirty="0">
                 <a:latin typeface="Consolas" panose="020B0609020204030204" pitchFamily="49" charset="0"/>
               </a:rPr>
               <a:t>Дай ми едно цяло число"</a:t>
             </a:r>
             <a:r>
-              <a:rPr lang="en-US" sz="2400" b="1" dirty="0" smtClean="0">
+              <a:rPr lang="en-US" sz="2400" b="1" dirty="0">
                 <a:latin typeface="Consolas" panose="020B0609020204030204" pitchFamily="49" charset="0"/>
               </a:rPr>
               <a:t>)</a:t>
             </a:r>
-            <a:endParaRPr lang="bg-BG" sz="2400" b="1" dirty="0" smtClean="0">
+            <a:endParaRPr lang="bg-BG" sz="2400" b="1" dirty="0">
               <a:latin typeface="Consolas" panose="020B0609020204030204" pitchFamily="49" charset="0"/>
             </a:endParaRPr>
           </a:p>
@@ -27574,24 +27235,12 @@
               <a:buSzPct val="70000"/>
             </a:pPr>
             <a:r>
-              <a:rPr lang="en-US" sz="2400" b="1" dirty="0" smtClean="0">
-                <a:latin typeface="Consolas" panose="020B0609020204030204" pitchFamily="49" charset="0"/>
-              </a:rPr>
-              <a:t>a </a:t>
-            </a:r>
-            <a:r>
               <a:rPr lang="en-US" sz="2400" b="1" dirty="0">
                 <a:latin typeface="Consolas" panose="020B0609020204030204" pitchFamily="49" charset="0"/>
               </a:rPr>
-              <a:t>= </a:t>
-            </a:r>
-            <a:r>
-              <a:rPr lang="en-US" sz="2400" b="1" dirty="0" smtClean="0">
-                <a:latin typeface="Consolas" panose="020B0609020204030204" pitchFamily="49" charset="0"/>
-              </a:rPr>
-              <a:t>int(input())</a:t>
-            </a:r>
-            <a:endParaRPr lang="bg-BG" sz="2400" b="1" dirty="0" smtClean="0">
+              <a:t>a = int(input())</a:t>
+            </a:r>
+            <a:endParaRPr lang="bg-BG" sz="2400" b="1" dirty="0">
               <a:latin typeface="Consolas" panose="020B0609020204030204" pitchFamily="49" charset="0"/>
             </a:endParaRPr>
           </a:p>
@@ -27618,22 +27267,10 @@
               <a:rPr lang="bg-BG" sz="2400" b="1" dirty="0">
                 <a:latin typeface="Consolas" panose="020B0609020204030204" pitchFamily="49" charset="0"/>
               </a:rPr>
-              <a:t>Дай ми </a:t>
-            </a:r>
-            <a:r>
-              <a:rPr lang="bg-BG" sz="2400" b="1" dirty="0" smtClean="0">
-                <a:latin typeface="Consolas" panose="020B0609020204030204" pitchFamily="49" charset="0"/>
-              </a:rPr>
-              <a:t>още едно </a:t>
-            </a:r>
-            <a:r>
-              <a:rPr lang="bg-BG" sz="2400" b="1" dirty="0">
-                <a:latin typeface="Consolas" panose="020B0609020204030204" pitchFamily="49" charset="0"/>
-              </a:rPr>
-              <a:t>цяло число"</a:t>
-            </a:r>
-            <a:r>
-              <a:rPr lang="en-US" sz="2400" b="1" dirty="0" smtClean="0">
+              <a:t>Дай ми още едно цяло число"</a:t>
+            </a:r>
+            <a:r>
+              <a:rPr lang="en-US" sz="2400" b="1" dirty="0">
                 <a:latin typeface="Consolas" panose="020B0609020204030204" pitchFamily="49" charset="0"/>
               </a:rPr>
               <a:t>)</a:t>
@@ -27653,22 +27290,10 @@
               <a:buSzPct val="70000"/>
             </a:pPr>
             <a:r>
-              <a:rPr lang="en-US" sz="2400" b="1" dirty="0" smtClean="0">
-                <a:latin typeface="Consolas" panose="020B0609020204030204" pitchFamily="49" charset="0"/>
-              </a:rPr>
-              <a:t>b </a:t>
-            </a:r>
-            <a:r>
               <a:rPr lang="en-US" sz="2400" b="1" dirty="0">
                 <a:latin typeface="Consolas" panose="020B0609020204030204" pitchFamily="49" charset="0"/>
               </a:rPr>
-              <a:t>= </a:t>
-            </a:r>
-            <a:r>
-              <a:rPr lang="en-US" sz="2400" b="1" dirty="0" smtClean="0">
-                <a:latin typeface="Consolas" panose="020B0609020204030204" pitchFamily="49" charset="0"/>
-              </a:rPr>
-              <a:t>int(input())</a:t>
+              <a:t>b = int(input())</a:t>
             </a:r>
           </a:p>
           <a:p>
@@ -27685,22 +27310,10 @@
               <a:buSzPct val="70000"/>
             </a:pPr>
             <a:r>
-              <a:rPr lang="en-US" sz="2400" b="1" dirty="0" smtClean="0">
-                <a:latin typeface="Consolas" panose="020B0609020204030204" pitchFamily="49" charset="0"/>
-              </a:rPr>
-              <a:t>result </a:t>
-            </a:r>
-            <a:r>
               <a:rPr lang="en-US" sz="2400" b="1" dirty="0">
                 <a:latin typeface="Consolas" panose="020B0609020204030204" pitchFamily="49" charset="0"/>
               </a:rPr>
-              <a:t>= a + </a:t>
-            </a:r>
-            <a:r>
-              <a:rPr lang="en-US" sz="2400" b="1" dirty="0" smtClean="0">
-                <a:latin typeface="Consolas" panose="020B0609020204030204" pitchFamily="49" charset="0"/>
-              </a:rPr>
-              <a:t>b</a:t>
+              <a:t>result = a + b</a:t>
             </a:r>
           </a:p>
           <a:p>
@@ -27717,16 +27330,10 @@
               <a:buSzPct val="70000"/>
             </a:pPr>
             <a:r>
-              <a:rPr lang="en-US" sz="2400" b="1" dirty="0" smtClean="0">
-                <a:latin typeface="Consolas" panose="020B0609020204030204" pitchFamily="49" charset="0"/>
-              </a:rPr>
-              <a:t>print(result</a:t>
-            </a:r>
-            <a:r>
               <a:rPr lang="en-US" sz="2400" b="1" dirty="0">
                 <a:latin typeface="Consolas" panose="020B0609020204030204" pitchFamily="49" charset="0"/>
               </a:rPr>
-              <a:t>)</a:t>
+              <a:t>print(result)</a:t>
             </a:r>
           </a:p>
         </p:txBody>
@@ -27896,13 +27503,8 @@
           <a:p>
             <a:r>
               <a:rPr lang="bg-BG" dirty="0"/>
-              <a:t>Оператори за </a:t>
-            </a:r>
-            <a:r>
-              <a:rPr lang="bg-BG" dirty="0" smtClean="0"/>
-              <a:t>сравнение</a:t>
-            </a:r>
-            <a:endParaRPr lang="bg-BG" dirty="0"/>
+              <a:t>Оператори за сравнение</a:t>
+            </a:r>
           </a:p>
         </p:txBody>
       </p:sp>
@@ -28153,13 +27755,6 @@
       <p:transition spd="slow" advClick="0" advTm="5000"/>
     </mc:Fallback>
   </mc:AlternateContent>
-  <p:timing>
-    <p:tnLst>
-      <p:par>
-        <p:cTn id="1" dur="indefinite" restart="never" nodeType="tmRoot"/>
-      </p:par>
-    </p:tnLst>
-  </p:timing>
 </p:sld>
 </file>
 
@@ -30361,13 +29956,6 @@
       <p:transition spd="slow" advClick="0" advTm="5000"/>
     </mc:Fallback>
   </mc:AlternateContent>
-  <p:timing>
-    <p:tnLst>
-      <p:par>
-        <p:cTn id="1" dur="indefinite" restart="never" nodeType="tmRoot"/>
-      </p:par>
-    </p:tnLst>
-  </p:timing>
 </p:sld>
 </file>
 
